--- a/Slides/AI Part 5.pptx
+++ b/Slides/AI Part 5.pptx
@@ -303,7 +303,7 @@
           <a:p>
             <a:fld id="{44947918-4572-4437-BFF9-DD242C2F2E57}" type="datetimeFigureOut">
               <a:rPr lang="en-GB" smtClean="0"/>
-              <a:t>10/04/2022</a:t>
+              <a:t>03/06/2022</a:t>
             </a:fld>
             <a:endParaRPr lang="en-GB"/>
           </a:p>
@@ -503,7 +503,7 @@
           <a:p>
             <a:fld id="{44947918-4572-4437-BFF9-DD242C2F2E57}" type="datetimeFigureOut">
               <a:rPr lang="en-GB" smtClean="0"/>
-              <a:t>10/04/2022</a:t>
+              <a:t>03/06/2022</a:t>
             </a:fld>
             <a:endParaRPr lang="en-GB"/>
           </a:p>
@@ -713,7 +713,7 @@
           <a:p>
             <a:fld id="{44947918-4572-4437-BFF9-DD242C2F2E57}" type="datetimeFigureOut">
               <a:rPr lang="en-GB" smtClean="0"/>
-              <a:t>10/04/2022</a:t>
+              <a:t>03/06/2022</a:t>
             </a:fld>
             <a:endParaRPr lang="en-GB"/>
           </a:p>
@@ -949,7 +949,7 @@
           <a:p>
             <a:fld id="{6C21EC1F-9507-4D27-9C64-015C1F72ED4D}" type="datetimeFigureOut">
               <a:rPr lang="en-GB" smtClean="0"/>
-              <a:t>10/04/2022</a:t>
+              <a:t>03/06/2022</a:t>
             </a:fld>
             <a:endParaRPr lang="en-GB"/>
           </a:p>
@@ -1119,7 +1119,7 @@
           <a:p>
             <a:fld id="{6C21EC1F-9507-4D27-9C64-015C1F72ED4D}" type="datetimeFigureOut">
               <a:rPr lang="en-GB" smtClean="0"/>
-              <a:t>10/04/2022</a:t>
+              <a:t>03/06/2022</a:t>
             </a:fld>
             <a:endParaRPr lang="en-GB"/>
           </a:p>
@@ -1387,7 +1387,7 @@
           <a:p>
             <a:fld id="{6C21EC1F-9507-4D27-9C64-015C1F72ED4D}" type="datetimeFigureOut">
               <a:rPr lang="en-GB" smtClean="0"/>
-              <a:t>10/04/2022</a:t>
+              <a:t>03/06/2022</a:t>
             </a:fld>
             <a:endParaRPr lang="en-GB"/>
           </a:p>
@@ -1619,7 +1619,7 @@
           <a:p>
             <a:fld id="{6C21EC1F-9507-4D27-9C64-015C1F72ED4D}" type="datetimeFigureOut">
               <a:rPr lang="en-GB" smtClean="0"/>
-              <a:t>10/04/2022</a:t>
+              <a:t>03/06/2022</a:t>
             </a:fld>
             <a:endParaRPr lang="en-GB"/>
           </a:p>
@@ -1978,7 +1978,7 @@
           <a:p>
             <a:fld id="{6C21EC1F-9507-4D27-9C64-015C1F72ED4D}" type="datetimeFigureOut">
               <a:rPr lang="en-GB" smtClean="0"/>
-              <a:t>10/04/2022</a:t>
+              <a:t>03/06/2022</a:t>
             </a:fld>
             <a:endParaRPr lang="en-GB"/>
           </a:p>
@@ -2119,7 +2119,7 @@
           <a:p>
             <a:fld id="{6C21EC1F-9507-4D27-9C64-015C1F72ED4D}" type="datetimeFigureOut">
               <a:rPr lang="en-GB" smtClean="0"/>
-              <a:t>10/04/2022</a:t>
+              <a:t>03/06/2022</a:t>
             </a:fld>
             <a:endParaRPr lang="en-GB"/>
           </a:p>
@@ -2214,7 +2214,7 @@
           <a:p>
             <a:fld id="{6C21EC1F-9507-4D27-9C64-015C1F72ED4D}" type="datetimeFigureOut">
               <a:rPr lang="en-GB" smtClean="0"/>
-              <a:t>10/04/2022</a:t>
+              <a:t>03/06/2022</a:t>
             </a:fld>
             <a:endParaRPr lang="en-GB"/>
           </a:p>
@@ -2571,7 +2571,7 @@
           <a:p>
             <a:fld id="{6C21EC1F-9507-4D27-9C64-015C1F72ED4D}" type="datetimeFigureOut">
               <a:rPr lang="en-GB" smtClean="0"/>
-              <a:t>10/04/2022</a:t>
+              <a:t>03/06/2022</a:t>
             </a:fld>
             <a:endParaRPr lang="en-GB"/>
           </a:p>
@@ -2774,7 +2774,7 @@
           <a:p>
             <a:fld id="{44947918-4572-4437-BFF9-DD242C2F2E57}" type="datetimeFigureOut">
               <a:rPr lang="en-GB" smtClean="0"/>
-              <a:t>10/04/2022</a:t>
+              <a:t>03/06/2022</a:t>
             </a:fld>
             <a:endParaRPr lang="en-GB"/>
           </a:p>
@@ -3128,7 +3128,7 @@
           <a:p>
             <a:fld id="{6C21EC1F-9507-4D27-9C64-015C1F72ED4D}" type="datetimeFigureOut">
               <a:rPr lang="en-GB" smtClean="0"/>
-              <a:t>10/04/2022</a:t>
+              <a:t>03/06/2022</a:t>
             </a:fld>
             <a:endParaRPr lang="en-GB"/>
           </a:p>
@@ -3313,7 +3313,7 @@
           <a:p>
             <a:fld id="{6C21EC1F-9507-4D27-9C64-015C1F72ED4D}" type="datetimeFigureOut">
               <a:rPr lang="en-GB" smtClean="0"/>
-              <a:t>10/04/2022</a:t>
+              <a:t>03/06/2022</a:t>
             </a:fld>
             <a:endParaRPr lang="en-GB"/>
           </a:p>
@@ -3493,7 +3493,7 @@
           <a:p>
             <a:fld id="{6C21EC1F-9507-4D27-9C64-015C1F72ED4D}" type="datetimeFigureOut">
               <a:rPr lang="en-GB" smtClean="0"/>
-              <a:t>10/04/2022</a:t>
+              <a:t>03/06/2022</a:t>
             </a:fld>
             <a:endParaRPr lang="en-GB"/>
           </a:p>
@@ -3757,7 +3757,7 @@
           <a:p>
             <a:fld id="{44947918-4572-4437-BFF9-DD242C2F2E57}" type="datetimeFigureOut">
               <a:rPr lang="en-GB" smtClean="0"/>
-              <a:t>10/04/2022</a:t>
+              <a:t>03/06/2022</a:t>
             </a:fld>
             <a:endParaRPr lang="en-GB"/>
           </a:p>
@@ -4025,7 +4025,7 @@
           <a:p>
             <a:fld id="{44947918-4572-4437-BFF9-DD242C2F2E57}" type="datetimeFigureOut">
               <a:rPr lang="en-GB" smtClean="0"/>
-              <a:t>10/04/2022</a:t>
+              <a:t>03/06/2022</a:t>
             </a:fld>
             <a:endParaRPr lang="en-GB"/>
           </a:p>
@@ -4440,7 +4440,7 @@
           <a:p>
             <a:fld id="{44947918-4572-4437-BFF9-DD242C2F2E57}" type="datetimeFigureOut">
               <a:rPr lang="en-GB" smtClean="0"/>
-              <a:t>10/04/2022</a:t>
+              <a:t>03/06/2022</a:t>
             </a:fld>
             <a:endParaRPr lang="en-GB"/>
           </a:p>
@@ -4582,7 +4582,7 @@
           <a:p>
             <a:fld id="{44947918-4572-4437-BFF9-DD242C2F2E57}" type="datetimeFigureOut">
               <a:rPr lang="en-GB" smtClean="0"/>
-              <a:t>10/04/2022</a:t>
+              <a:t>03/06/2022</a:t>
             </a:fld>
             <a:endParaRPr lang="en-GB"/>
           </a:p>
@@ -4695,7 +4695,7 @@
           <a:p>
             <a:fld id="{44947918-4572-4437-BFF9-DD242C2F2E57}" type="datetimeFigureOut">
               <a:rPr lang="en-GB" smtClean="0"/>
-              <a:t>10/04/2022</a:t>
+              <a:t>03/06/2022</a:t>
             </a:fld>
             <a:endParaRPr lang="en-GB"/>
           </a:p>
@@ -5008,7 +5008,7 @@
           <a:p>
             <a:fld id="{44947918-4572-4437-BFF9-DD242C2F2E57}" type="datetimeFigureOut">
               <a:rPr lang="en-GB" smtClean="0"/>
-              <a:t>10/04/2022</a:t>
+              <a:t>03/06/2022</a:t>
             </a:fld>
             <a:endParaRPr lang="en-GB"/>
           </a:p>
@@ -5297,7 +5297,7 @@
           <a:p>
             <a:fld id="{44947918-4572-4437-BFF9-DD242C2F2E57}" type="datetimeFigureOut">
               <a:rPr lang="en-GB" smtClean="0"/>
-              <a:t>10/04/2022</a:t>
+              <a:t>03/06/2022</a:t>
             </a:fld>
             <a:endParaRPr lang="en-GB"/>
           </a:p>
@@ -5540,7 +5540,7 @@
           <a:p>
             <a:fld id="{44947918-4572-4437-BFF9-DD242C2F2E57}" type="datetimeFigureOut">
               <a:rPr lang="en-GB" smtClean="0"/>
-              <a:t>10/04/2022</a:t>
+              <a:t>03/06/2022</a:t>
             </a:fld>
             <a:endParaRPr lang="en-GB"/>
           </a:p>
@@ -6106,7 +6106,7 @@
           <a:p>
             <a:fld id="{6C21EC1F-9507-4D27-9C64-015C1F72ED4D}" type="datetimeFigureOut">
               <a:rPr lang="en-GB" smtClean="0"/>
-              <a:t>10/04/2022</a:t>
+              <a:t>03/06/2022</a:t>
             </a:fld>
             <a:endParaRPr lang="en-GB"/>
           </a:p>
@@ -9779,12 +9779,9 @@
               <a:rPr lang="en-GB" dirty="0">
                 <a:hlinkClick r:id="rId2"/>
               </a:rPr>
-              <a:t>https://github.com/philipmortimer/Tumour-Classification</a:t>
-            </a:r>
-            <a:r>
-              <a:rPr lang="en-GB" dirty="0"/>
-              <a:t> </a:t>
-            </a:r>
+              <a:t>https://github.com/philipmortimer/AI-Course/tree/main/Programs/Part%205/Tumour-Classification-Using-Machine-Learning</a:t>
+            </a:r>
+            <a:endParaRPr lang="en-GB" dirty="0"/>
           </a:p>
           <a:p>
             <a:r>
@@ -18167,12 +18164,9 @@
               <a:rPr lang="en-GB" dirty="0">
                 <a:hlinkClick r:id="rId3"/>
               </a:rPr>
-              <a:t>https://github.com/philipmortimer/MNIST-TF</a:t>
-            </a:r>
-            <a:r>
-              <a:rPr lang="en-GB" dirty="0"/>
-              <a:t> </a:t>
-            </a:r>
+              <a:t>https://github.com/philipmortimer/AI-Course/tree/main/Programs/Part%205/TFMnist</a:t>
+            </a:r>
+            <a:endParaRPr lang="en-GB" dirty="0"/>
           </a:p>
           <a:p>
             <a:r>
@@ -18588,12 +18582,9 @@
               <a:rPr lang="en-GB" dirty="0">
                 <a:hlinkClick r:id="rId2"/>
               </a:rPr>
-              <a:t>https://github.com/philipmortimer/MNIST-TF</a:t>
-            </a:r>
-            <a:r>
-              <a:rPr lang="en-GB" dirty="0"/>
-              <a:t> </a:t>
-            </a:r>
+              <a:t>https://github.com/philipmortimer/AI-Course/tree/main/Programs/Part%205/TFMnist</a:t>
+            </a:r>
+            <a:endParaRPr lang="en-GB" dirty="0"/>
           </a:p>
           <a:p>
             <a:r>
